--- a/Präsentation Information Retrieval - V0.3.pptx
+++ b/Präsentation Information Retrieval - V0.3.pptx
@@ -288,14 +288,14 @@
           <a:effectLst/>
           <a:extLst>
             <a:ext uri="{909E8E84-426E-40dd-AFC4-6F175D3DCCD1}">
-              <a14:hiddenFill xmlns:a14="http://schemas.microsoft.com/office/drawing/2010/main" xmlns="">
+              <a14:hiddenFill xmlns="" xmlns:a14="http://schemas.microsoft.com/office/drawing/2010/main">
                 <a:solidFill>
                   <a:srgbClr val="FFFFFF"/>
                 </a:solidFill>
               </a14:hiddenFill>
             </a:ext>
             <a:ext uri="{AF507438-7753-43e0-B8FC-AC1667EBCBE1}">
-              <a14:hiddenEffects xmlns:a14="http://schemas.microsoft.com/office/drawing/2010/main" xmlns="">
+              <a14:hiddenEffects xmlns="" xmlns:a14="http://schemas.microsoft.com/office/drawing/2010/main">
                 <a:effectLst>
                   <a:outerShdw dist="35921" dir="2700000" algn="ctr" rotWithShape="0">
                     <a:srgbClr val="808080"/>
@@ -304,7 +304,7 @@
               </a14:hiddenEffects>
             </a:ext>
             <a:ext uri="{53640926-AAD7-44d8-BBD7-CCE9431645EC}">
-              <a14:shadowObscured xmlns:a14="http://schemas.microsoft.com/office/drawing/2010/main" xmlns="" val="1"/>
+              <a14:shadowObscured xmlns="" xmlns:a14="http://schemas.microsoft.com/office/drawing/2010/main" val="1"/>
             </a:ext>
           </a:extLst>
         </p:spPr>
@@ -334,14 +334,14 @@
           <a:effectLst/>
           <a:extLst>
             <a:ext uri="{909E8E84-426E-40dd-AFC4-6F175D3DCCD1}">
-              <a14:hiddenFill xmlns:a14="http://schemas.microsoft.com/office/drawing/2010/main" xmlns="">
+              <a14:hiddenFill xmlns="" xmlns:a14="http://schemas.microsoft.com/office/drawing/2010/main">
                 <a:solidFill>
                   <a:srgbClr val="FFFFFF"/>
                 </a:solidFill>
               </a14:hiddenFill>
             </a:ext>
             <a:ext uri="{91240B29-F687-4f45-9708-019B960494DF}">
-              <a14:hiddenLine xmlns:a14="http://schemas.microsoft.com/office/drawing/2010/main" xmlns="" w="9525">
+              <a14:hiddenLine xmlns="" xmlns:a14="http://schemas.microsoft.com/office/drawing/2010/main" w="9525">
                 <a:solidFill>
                   <a:srgbClr val="000000"/>
                 </a:solidFill>
@@ -351,7 +351,7 @@
               </a14:hiddenLine>
             </a:ext>
             <a:ext uri="{AF507438-7753-43e0-B8FC-AC1667EBCBE1}">
-              <a14:hiddenEffects xmlns:a14="http://schemas.microsoft.com/office/drawing/2010/main" xmlns="">
+              <a14:hiddenEffects xmlns="" xmlns:a14="http://schemas.microsoft.com/office/drawing/2010/main">
                 <a:effectLst>
                   <a:outerShdw dist="35921" dir="2700000" algn="ctr" rotWithShape="0">
                     <a:srgbClr val="808080"/>
@@ -360,7 +360,7 @@
               </a14:hiddenEffects>
             </a:ext>
             <a:ext uri="{53640926-AAD7-44d8-BBD7-CCE9431645EC}">
-              <a14:shadowObscured xmlns:a14="http://schemas.microsoft.com/office/drawing/2010/main" xmlns="" val="1"/>
+              <a14:shadowObscured xmlns="" xmlns:a14="http://schemas.microsoft.com/office/drawing/2010/main" val="1"/>
             </a:ext>
           </a:extLst>
         </p:spPr>
@@ -4480,14 +4480,14 @@
           <a:effectLst/>
           <a:extLst>
             <a:ext uri="{909E8E84-426E-40dd-AFC4-6F175D3DCCD1}">
-              <a14:hiddenFill xmlns:a14="http://schemas.microsoft.com/office/drawing/2010/main" xmlns="">
+              <a14:hiddenFill xmlns="" xmlns:a14="http://schemas.microsoft.com/office/drawing/2010/main">
                 <a:solidFill>
                   <a:srgbClr val="FFFFFF"/>
                 </a:solidFill>
               </a14:hiddenFill>
             </a:ext>
             <a:ext uri="{91240B29-F687-4f45-9708-019B960494DF}">
-              <a14:hiddenLine xmlns:a14="http://schemas.microsoft.com/office/drawing/2010/main" xmlns="" w="12700">
+              <a14:hiddenLine xmlns="" xmlns:a14="http://schemas.microsoft.com/office/drawing/2010/main" w="12700">
                 <a:solidFill>
                   <a:schemeClr val="tx1"/>
                 </a:solidFill>
@@ -4497,7 +4497,7 @@
               </a14:hiddenLine>
             </a:ext>
             <a:ext uri="{AF507438-7753-43e0-B8FC-AC1667EBCBE1}">
-              <a14:hiddenEffects xmlns:a14="http://schemas.microsoft.com/office/drawing/2010/main" xmlns="">
+              <a14:hiddenEffects xmlns="" xmlns:a14="http://schemas.microsoft.com/office/drawing/2010/main">
                 <a:effectLst>
                   <a:outerShdw dist="35921" dir="2700000" algn="ctr" rotWithShape="0">
                     <a:srgbClr val="808080"/>
@@ -4550,14 +4550,14 @@
           <a:effectLst/>
           <a:extLst>
             <a:ext uri="{909E8E84-426E-40dd-AFC4-6F175D3DCCD1}">
-              <a14:hiddenFill xmlns:a14="http://schemas.microsoft.com/office/drawing/2010/main" xmlns="">
+              <a14:hiddenFill xmlns="" xmlns:a14="http://schemas.microsoft.com/office/drawing/2010/main">
                 <a:solidFill>
                   <a:srgbClr val="FFFFFF"/>
                 </a:solidFill>
               </a14:hiddenFill>
             </a:ext>
             <a:ext uri="{91240B29-F687-4f45-9708-019B960494DF}">
-              <a14:hiddenLine xmlns:a14="http://schemas.microsoft.com/office/drawing/2010/main" xmlns="" w="12700">
+              <a14:hiddenLine xmlns="" xmlns:a14="http://schemas.microsoft.com/office/drawing/2010/main" w="12700">
                 <a:solidFill>
                   <a:schemeClr val="tx1"/>
                 </a:solidFill>
@@ -4567,7 +4567,7 @@
               </a14:hiddenLine>
             </a:ext>
             <a:ext uri="{AF507438-7753-43e0-B8FC-AC1667EBCBE1}">
-              <a14:hiddenEffects xmlns:a14="http://schemas.microsoft.com/office/drawing/2010/main" xmlns="">
+              <a14:hiddenEffects xmlns="" xmlns:a14="http://schemas.microsoft.com/office/drawing/2010/main">
                 <a:effectLst>
                   <a:outerShdw dist="35921" dir="2700000" algn="ctr" rotWithShape="0">
                     <a:srgbClr val="808080"/>
@@ -4656,14 +4656,14 @@
           <a:effectLst/>
           <a:extLst>
             <a:ext uri="{909E8E84-426E-40dd-AFC4-6F175D3DCCD1}">
-              <a14:hiddenFill xmlns:a14="http://schemas.microsoft.com/office/drawing/2010/main" xmlns="">
+              <a14:hiddenFill xmlns="" xmlns:a14="http://schemas.microsoft.com/office/drawing/2010/main">
                 <a:solidFill>
                   <a:srgbClr val="FFFFFF"/>
                 </a:solidFill>
               </a14:hiddenFill>
             </a:ext>
             <a:ext uri="{91240B29-F687-4f45-9708-019B960494DF}">
-              <a14:hiddenLine xmlns:a14="http://schemas.microsoft.com/office/drawing/2010/main" xmlns="" w="12700">
+              <a14:hiddenLine xmlns="" xmlns:a14="http://schemas.microsoft.com/office/drawing/2010/main" w="12700">
                 <a:solidFill>
                   <a:schemeClr val="tx1"/>
                 </a:solidFill>
@@ -4673,7 +4673,7 @@
               </a14:hiddenLine>
             </a:ext>
             <a:ext uri="{AF507438-7753-43e0-B8FC-AC1667EBCBE1}">
-              <a14:hiddenEffects xmlns:a14="http://schemas.microsoft.com/office/drawing/2010/main" xmlns="">
+              <a14:hiddenEffects xmlns="" xmlns:a14="http://schemas.microsoft.com/office/drawing/2010/main">
                 <a:effectLst>
                   <a:outerShdw dist="35921" dir="2700000" algn="ctr" rotWithShape="0">
                     <a:srgbClr val="808080"/>
@@ -5389,14 +5389,14 @@
           <a:effectLst/>
           <a:extLst>
             <a:ext uri="{909E8E84-426E-40dd-AFC4-6F175D3DCCD1}">
-              <a14:hiddenFill xmlns:a14="http://schemas.microsoft.com/office/drawing/2010/main" xmlns="">
+              <a14:hiddenFill xmlns="" xmlns:a14="http://schemas.microsoft.com/office/drawing/2010/main">
                 <a:solidFill>
                   <a:srgbClr val="FFFFFF"/>
                 </a:solidFill>
               </a14:hiddenFill>
             </a:ext>
             <a:ext uri="{91240B29-F687-4f45-9708-019B960494DF}">
-              <a14:hiddenLine xmlns:a14="http://schemas.microsoft.com/office/drawing/2010/main" xmlns="" w="12700">
+              <a14:hiddenLine xmlns="" xmlns:a14="http://schemas.microsoft.com/office/drawing/2010/main" w="12700">
                 <a:solidFill>
                   <a:schemeClr val="tx1"/>
                 </a:solidFill>
@@ -5406,7 +5406,7 @@
               </a14:hiddenLine>
             </a:ext>
             <a:ext uri="{AF507438-7753-43e0-B8FC-AC1667EBCBE1}">
-              <a14:hiddenEffects xmlns:a14="http://schemas.microsoft.com/office/drawing/2010/main" xmlns="">
+              <a14:hiddenEffects xmlns="" xmlns:a14="http://schemas.microsoft.com/office/drawing/2010/main">
                 <a:effectLst>
                   <a:outerShdw dist="35921" dir="2700000" algn="ctr" rotWithShape="0">
                     <a:srgbClr val="808080"/>
@@ -6158,6 +6158,190 @@
           </a:prstGeom>
         </p:spPr>
       </p:pic>
+      <p:sp>
+        <p:nvSpPr>
+          <p:cNvPr id="2" name="Rechteck 1"/>
+          <p:cNvSpPr/>
+          <p:nvPr/>
+        </p:nvSpPr>
+        <p:spPr>
+          <a:xfrm>
+            <a:off x="2267744" y="3212976"/>
+            <a:ext cx="4752528" cy="432048"/>
+          </a:xfrm>
+          <a:prstGeom prst="rect">
+            <a:avLst/>
+          </a:prstGeom>
+          <a:noFill/>
+          <a:ln w="19050">
+            <a:solidFill>
+              <a:srgbClr val="FF0000"/>
+            </a:solidFill>
+          </a:ln>
+        </p:spPr>
+        <p:style>
+          <a:lnRef idx="2">
+            <a:schemeClr val="accent1">
+              <a:shade val="50000"/>
+            </a:schemeClr>
+          </a:lnRef>
+          <a:fillRef idx="1">
+            <a:schemeClr val="accent1"/>
+          </a:fillRef>
+          <a:effectRef idx="0">
+            <a:schemeClr val="accent1"/>
+          </a:effectRef>
+          <a:fontRef idx="minor">
+            <a:schemeClr val="lt1"/>
+          </a:fontRef>
+        </p:style>
+        <p:txBody>
+          <a:bodyPr rtlCol="0" anchor="ctr"/>
+          <a:lstStyle/>
+          <a:p>
+            <a:pPr algn="ctr"/>
+            <a:endParaRPr lang="de-CH"/>
+          </a:p>
+        </p:txBody>
+      </p:sp>
+      <p:sp>
+        <p:nvSpPr>
+          <p:cNvPr id="7" name="Rechteck 6"/>
+          <p:cNvSpPr/>
+          <p:nvPr/>
+        </p:nvSpPr>
+        <p:spPr>
+          <a:xfrm>
+            <a:off x="2267744" y="5178400"/>
+            <a:ext cx="4781996" cy="216024"/>
+          </a:xfrm>
+          <a:prstGeom prst="rect">
+            <a:avLst/>
+          </a:prstGeom>
+          <a:noFill/>
+          <a:ln w="19050">
+            <a:solidFill>
+              <a:srgbClr val="FF0000"/>
+            </a:solidFill>
+          </a:ln>
+        </p:spPr>
+        <p:style>
+          <a:lnRef idx="2">
+            <a:schemeClr val="accent1">
+              <a:shade val="50000"/>
+            </a:schemeClr>
+          </a:lnRef>
+          <a:fillRef idx="1">
+            <a:schemeClr val="accent1"/>
+          </a:fillRef>
+          <a:effectRef idx="0">
+            <a:schemeClr val="accent1"/>
+          </a:effectRef>
+          <a:fontRef idx="minor">
+            <a:schemeClr val="lt1"/>
+          </a:fontRef>
+        </p:style>
+        <p:txBody>
+          <a:bodyPr rtlCol="0" anchor="ctr"/>
+          <a:lstStyle/>
+          <a:p>
+            <a:pPr algn="ctr"/>
+            <a:endParaRPr lang="de-CH"/>
+          </a:p>
+        </p:txBody>
+      </p:sp>
+      <p:sp>
+        <p:nvSpPr>
+          <p:cNvPr id="8" name="Rechteck 7"/>
+          <p:cNvSpPr/>
+          <p:nvPr/>
+        </p:nvSpPr>
+        <p:spPr>
+          <a:xfrm>
+            <a:off x="2267744" y="4590802"/>
+            <a:ext cx="4781996" cy="216024"/>
+          </a:xfrm>
+          <a:prstGeom prst="rect">
+            <a:avLst/>
+          </a:prstGeom>
+          <a:noFill/>
+          <a:ln w="19050">
+            <a:solidFill>
+              <a:srgbClr val="FF0000"/>
+            </a:solidFill>
+          </a:ln>
+        </p:spPr>
+        <p:style>
+          <a:lnRef idx="2">
+            <a:schemeClr val="accent1">
+              <a:shade val="50000"/>
+            </a:schemeClr>
+          </a:lnRef>
+          <a:fillRef idx="1">
+            <a:schemeClr val="accent1"/>
+          </a:fillRef>
+          <a:effectRef idx="0">
+            <a:schemeClr val="accent1"/>
+          </a:effectRef>
+          <a:fontRef idx="minor">
+            <a:schemeClr val="lt1"/>
+          </a:fontRef>
+        </p:style>
+        <p:txBody>
+          <a:bodyPr rtlCol="0" anchor="ctr"/>
+          <a:lstStyle/>
+          <a:p>
+            <a:pPr algn="ctr"/>
+            <a:endParaRPr lang="de-CH"/>
+          </a:p>
+        </p:txBody>
+      </p:sp>
+      <p:sp>
+        <p:nvSpPr>
+          <p:cNvPr id="9" name="Rechteck 8"/>
+          <p:cNvSpPr/>
+          <p:nvPr/>
+        </p:nvSpPr>
+        <p:spPr>
+          <a:xfrm>
+            <a:off x="2267744" y="2841402"/>
+            <a:ext cx="4748584" cy="227558"/>
+          </a:xfrm>
+          <a:prstGeom prst="rect">
+            <a:avLst/>
+          </a:prstGeom>
+          <a:noFill/>
+          <a:ln w="19050">
+            <a:solidFill>
+              <a:srgbClr val="FF0000"/>
+            </a:solidFill>
+          </a:ln>
+        </p:spPr>
+        <p:style>
+          <a:lnRef idx="2">
+            <a:schemeClr val="accent1">
+              <a:shade val="50000"/>
+            </a:schemeClr>
+          </a:lnRef>
+          <a:fillRef idx="1">
+            <a:schemeClr val="accent1"/>
+          </a:fillRef>
+          <a:effectRef idx="0">
+            <a:schemeClr val="accent1"/>
+          </a:effectRef>
+          <a:fontRef idx="minor">
+            <a:schemeClr val="lt1"/>
+          </a:fontRef>
+        </p:style>
+        <p:txBody>
+          <a:bodyPr rtlCol="0" anchor="ctr"/>
+          <a:lstStyle/>
+          <a:p>
+            <a:pPr algn="ctr"/>
+            <a:endParaRPr lang="de-CH"/>
+          </a:p>
+        </p:txBody>
+      </p:sp>
     </p:spTree>
     <p:extLst>
       <p:ext uri="{BB962C8B-B14F-4D97-AF65-F5344CB8AC3E}">
@@ -6174,9 +6358,250 @@
   <p:timing>
     <p:tnLst>
       <p:par>
-        <p:cTn id="1" dur="indefinite" restart="never" nodeType="tmRoot"/>
+        <p:cTn id="1" dur="indefinite" restart="never" nodeType="tmRoot">
+          <p:childTnLst>
+            <p:seq concurrent="1" nextAc="seek">
+              <p:cTn id="2" dur="indefinite" nodeType="mainSeq">
+                <p:childTnLst>
+                  <p:par>
+                    <p:cTn id="3" fill="hold">
+                      <p:stCondLst>
+                        <p:cond delay="indefinite"/>
+                      </p:stCondLst>
+                      <p:childTnLst>
+                        <p:par>
+                          <p:cTn id="4" fill="hold">
+                            <p:stCondLst>
+                              <p:cond delay="0"/>
+                            </p:stCondLst>
+                            <p:childTnLst>
+                              <p:par>
+                                <p:cTn id="5" presetID="21" presetClass="entr" presetSubtype="1" fill="hold" grpId="0" nodeType="clickEffect">
+                                  <p:stCondLst>
+                                    <p:cond delay="0"/>
+                                  </p:stCondLst>
+                                  <p:childTnLst>
+                                    <p:set>
+                                      <p:cBhvr>
+                                        <p:cTn id="6" dur="1" fill="hold">
+                                          <p:stCondLst>
+                                            <p:cond delay="0"/>
+                                          </p:stCondLst>
+                                        </p:cTn>
+                                        <p:tgtEl>
+                                          <p:spTgt spid="9"/>
+                                        </p:tgtEl>
+                                        <p:attrNameLst>
+                                          <p:attrName>style.visibility</p:attrName>
+                                        </p:attrNameLst>
+                                      </p:cBhvr>
+                                      <p:to>
+                                        <p:strVal val="visible"/>
+                                      </p:to>
+                                    </p:set>
+                                    <p:animEffect transition="in" filter="wheel(1)">
+                                      <p:cBhvr>
+                                        <p:cTn id="7" dur="2000"/>
+                                        <p:tgtEl>
+                                          <p:spTgt spid="9"/>
+                                        </p:tgtEl>
+                                      </p:cBhvr>
+                                    </p:animEffect>
+                                  </p:childTnLst>
+                                </p:cTn>
+                              </p:par>
+                            </p:childTnLst>
+                          </p:cTn>
+                        </p:par>
+                      </p:childTnLst>
+                    </p:cTn>
+                  </p:par>
+                  <p:par>
+                    <p:cTn id="8" fill="hold">
+                      <p:stCondLst>
+                        <p:cond delay="indefinite"/>
+                      </p:stCondLst>
+                      <p:childTnLst>
+                        <p:par>
+                          <p:cTn id="9" fill="hold">
+                            <p:stCondLst>
+                              <p:cond delay="0"/>
+                            </p:stCondLst>
+                            <p:childTnLst>
+                              <p:par>
+                                <p:cTn id="10" presetID="21" presetClass="entr" presetSubtype="1" fill="hold" grpId="0" nodeType="clickEffect">
+                                  <p:stCondLst>
+                                    <p:cond delay="0"/>
+                                  </p:stCondLst>
+                                  <p:childTnLst>
+                                    <p:set>
+                                      <p:cBhvr>
+                                        <p:cTn id="11" dur="1" fill="hold">
+                                          <p:stCondLst>
+                                            <p:cond delay="0"/>
+                                          </p:stCondLst>
+                                        </p:cTn>
+                                        <p:tgtEl>
+                                          <p:spTgt spid="2"/>
+                                        </p:tgtEl>
+                                        <p:attrNameLst>
+                                          <p:attrName>style.visibility</p:attrName>
+                                        </p:attrNameLst>
+                                      </p:cBhvr>
+                                      <p:to>
+                                        <p:strVal val="visible"/>
+                                      </p:to>
+                                    </p:set>
+                                    <p:animEffect transition="in" filter="wheel(1)">
+                                      <p:cBhvr>
+                                        <p:cTn id="12" dur="2000"/>
+                                        <p:tgtEl>
+                                          <p:spTgt spid="2"/>
+                                        </p:tgtEl>
+                                      </p:cBhvr>
+                                    </p:animEffect>
+                                  </p:childTnLst>
+                                </p:cTn>
+                              </p:par>
+                            </p:childTnLst>
+                          </p:cTn>
+                        </p:par>
+                      </p:childTnLst>
+                    </p:cTn>
+                  </p:par>
+                  <p:par>
+                    <p:cTn id="13" fill="hold">
+                      <p:stCondLst>
+                        <p:cond delay="indefinite"/>
+                      </p:stCondLst>
+                      <p:childTnLst>
+                        <p:par>
+                          <p:cTn id="14" fill="hold">
+                            <p:stCondLst>
+                              <p:cond delay="0"/>
+                            </p:stCondLst>
+                            <p:childTnLst>
+                              <p:par>
+                                <p:cTn id="15" presetID="21" presetClass="entr" presetSubtype="1" fill="hold" grpId="0" nodeType="clickEffect">
+                                  <p:stCondLst>
+                                    <p:cond delay="0"/>
+                                  </p:stCondLst>
+                                  <p:childTnLst>
+                                    <p:set>
+                                      <p:cBhvr>
+                                        <p:cTn id="16" dur="1" fill="hold">
+                                          <p:stCondLst>
+                                            <p:cond delay="0"/>
+                                          </p:stCondLst>
+                                        </p:cTn>
+                                        <p:tgtEl>
+                                          <p:spTgt spid="8"/>
+                                        </p:tgtEl>
+                                        <p:attrNameLst>
+                                          <p:attrName>style.visibility</p:attrName>
+                                        </p:attrNameLst>
+                                      </p:cBhvr>
+                                      <p:to>
+                                        <p:strVal val="visible"/>
+                                      </p:to>
+                                    </p:set>
+                                    <p:animEffect transition="in" filter="wheel(1)">
+                                      <p:cBhvr>
+                                        <p:cTn id="17" dur="2000"/>
+                                        <p:tgtEl>
+                                          <p:spTgt spid="8"/>
+                                        </p:tgtEl>
+                                      </p:cBhvr>
+                                    </p:animEffect>
+                                  </p:childTnLst>
+                                </p:cTn>
+                              </p:par>
+                            </p:childTnLst>
+                          </p:cTn>
+                        </p:par>
+                      </p:childTnLst>
+                    </p:cTn>
+                  </p:par>
+                  <p:par>
+                    <p:cTn id="18" fill="hold">
+                      <p:stCondLst>
+                        <p:cond delay="indefinite"/>
+                      </p:stCondLst>
+                      <p:childTnLst>
+                        <p:par>
+                          <p:cTn id="19" fill="hold">
+                            <p:stCondLst>
+                              <p:cond delay="0"/>
+                            </p:stCondLst>
+                            <p:childTnLst>
+                              <p:par>
+                                <p:cTn id="20" presetID="21" presetClass="entr" presetSubtype="1" fill="hold" grpId="0" nodeType="clickEffect">
+                                  <p:stCondLst>
+                                    <p:cond delay="0"/>
+                                  </p:stCondLst>
+                                  <p:childTnLst>
+                                    <p:set>
+                                      <p:cBhvr>
+                                        <p:cTn id="21" dur="1" fill="hold">
+                                          <p:stCondLst>
+                                            <p:cond delay="0"/>
+                                          </p:stCondLst>
+                                        </p:cTn>
+                                        <p:tgtEl>
+                                          <p:spTgt spid="7"/>
+                                        </p:tgtEl>
+                                        <p:attrNameLst>
+                                          <p:attrName>style.visibility</p:attrName>
+                                        </p:attrNameLst>
+                                      </p:cBhvr>
+                                      <p:to>
+                                        <p:strVal val="visible"/>
+                                      </p:to>
+                                    </p:set>
+                                    <p:animEffect transition="in" filter="wheel(1)">
+                                      <p:cBhvr>
+                                        <p:cTn id="22" dur="2000"/>
+                                        <p:tgtEl>
+                                          <p:spTgt spid="7"/>
+                                        </p:tgtEl>
+                                      </p:cBhvr>
+                                    </p:animEffect>
+                                  </p:childTnLst>
+                                </p:cTn>
+                              </p:par>
+                            </p:childTnLst>
+                          </p:cTn>
+                        </p:par>
+                      </p:childTnLst>
+                    </p:cTn>
+                  </p:par>
+                </p:childTnLst>
+              </p:cTn>
+              <p:prevCondLst>
+                <p:cond evt="onPrev" delay="0">
+                  <p:tgtEl>
+                    <p:sldTgt/>
+                  </p:tgtEl>
+                </p:cond>
+              </p:prevCondLst>
+              <p:nextCondLst>
+                <p:cond evt="onNext" delay="0">
+                  <p:tgtEl>
+                    <p:sldTgt/>
+                  </p:tgtEl>
+                </p:cond>
+              </p:nextCondLst>
+            </p:seq>
+          </p:childTnLst>
+        </p:cTn>
       </p:par>
     </p:tnLst>
+    <p:bldLst>
+      <p:bldP spid="2" grpId="0" animBg="1"/>
+      <p:bldP spid="7" grpId="0" animBg="1"/>
+      <p:bldP spid="8" grpId="0" animBg="1"/>
+      <p:bldP spid="9" grpId="0" animBg="1"/>
+    </p:bldLst>
   </p:timing>
 </p:sld>
 </file>
@@ -6233,14 +6658,14 @@
           </a:ln>
           <a:extLst>
             <a:ext uri="{909E8E84-426E-40dd-AFC4-6F175D3DCCD1}">
-              <a14:hiddenFill xmlns:a14="http://schemas.microsoft.com/office/drawing/2010/main" xmlns="">
+              <a14:hiddenFill xmlns="" xmlns:a14="http://schemas.microsoft.com/office/drawing/2010/main">
                 <a:solidFill>
                   <a:srgbClr val="FFFFFF"/>
                 </a:solidFill>
               </a14:hiddenFill>
             </a:ext>
             <a:ext uri="{91240B29-F687-4f45-9708-019B960494DF}">
-              <a14:hiddenLine xmlns:a14="http://schemas.microsoft.com/office/drawing/2010/main" xmlns="" w="9525">
+              <a14:hiddenLine xmlns="" xmlns:a14="http://schemas.microsoft.com/office/drawing/2010/main" w="9525">
                 <a:solidFill>
                   <a:schemeClr val="tx1"/>
                 </a:solidFill>
@@ -6299,17 +6724,12 @@
               <a:rPr lang="de-CH" dirty="0" smtClean="0"/>
               <a:t>Beispiel</a:t>
             </a:r>
-            <a:endParaRPr lang="de-CH" dirty="0" smtClean="0"/>
           </a:p>
           <a:p>
             <a:pPr lvl="1"/>
             <a:r>
               <a:rPr lang="de-CH" dirty="0" smtClean="0"/>
-              <a:t>Annahme </a:t>
-            </a:r>
-            <a:r>
-              <a:rPr lang="de-CH" dirty="0" smtClean="0"/>
-              <a:t>für </a:t>
+              <a:t>Annahme für </a:t>
             </a:r>
             <a:r>
               <a:rPr lang="de-CH" dirty="0"/>
@@ -6738,14 +7158,14 @@
           </a:ln>
           <a:extLst>
             <a:ext uri="{909E8E84-426E-40dd-AFC4-6F175D3DCCD1}">
-              <a14:hiddenFill xmlns:a14="http://schemas.microsoft.com/office/drawing/2010/main" xmlns="">
+              <a14:hiddenFill xmlns="" xmlns:a14="http://schemas.microsoft.com/office/drawing/2010/main">
                 <a:solidFill>
                   <a:srgbClr val="FFFFFF"/>
                 </a:solidFill>
               </a14:hiddenFill>
             </a:ext>
             <a:ext uri="{91240B29-F687-4f45-9708-019B960494DF}">
-              <a14:hiddenLine xmlns:a14="http://schemas.microsoft.com/office/drawing/2010/main" xmlns="" w="9525">
+              <a14:hiddenLine xmlns="" xmlns:a14="http://schemas.microsoft.com/office/drawing/2010/main" w="9525">
                 <a:solidFill>
                   <a:schemeClr val="tx1"/>
                 </a:solidFill>
@@ -6778,19 +7198,7 @@
               <a:rPr lang="de-CH" dirty="0" smtClean="0">
                 <a:sym typeface="Arial Black" panose="020B0A04020102020204" pitchFamily="34" charset="0"/>
               </a:rPr>
-              <a:t>Beispiel </a:t>
-            </a:r>
-            <a:r>
-              <a:rPr lang="de-CH" dirty="0" smtClean="0">
-                <a:sym typeface="Arial Black" panose="020B0A04020102020204" pitchFamily="34" charset="0"/>
-              </a:rPr>
-              <a:t> </a:t>
-            </a:r>
-            <a:r>
-              <a:rPr lang="de-CH" dirty="0" smtClean="0">
-                <a:sym typeface="Arial Black" panose="020B0A04020102020204" pitchFamily="34" charset="0"/>
-              </a:rPr>
-              <a:t>– Suche mit Windows 8.1</a:t>
+              <a:t>Beispiel  – Suche mit Windows 8.1</a:t>
             </a:r>
           </a:p>
         </p:txBody>
@@ -7199,14 +7607,14 @@
           </a:ln>
           <a:extLst>
             <a:ext uri="{909E8E84-426E-40dd-AFC4-6F175D3DCCD1}">
-              <a14:hiddenFill xmlns:a14="http://schemas.microsoft.com/office/drawing/2010/main" xmlns="">
+              <a14:hiddenFill xmlns="" xmlns:a14="http://schemas.microsoft.com/office/drawing/2010/main">
                 <a:solidFill>
                   <a:srgbClr val="FFFFFF"/>
                 </a:solidFill>
               </a14:hiddenFill>
             </a:ext>
             <a:ext uri="{91240B29-F687-4f45-9708-019B960494DF}">
-              <a14:hiddenLine xmlns:a14="http://schemas.microsoft.com/office/drawing/2010/main" xmlns="" w="9525">
+              <a14:hiddenLine xmlns="" xmlns:a14="http://schemas.microsoft.com/office/drawing/2010/main" w="9525">
                 <a:solidFill>
                   <a:schemeClr val="tx1"/>
                 </a:solidFill>
@@ -7239,19 +7647,7 @@
               <a:rPr lang="de-CH" dirty="0" smtClean="0">
                 <a:sym typeface="Arial Black" panose="020B0A04020102020204" pitchFamily="34" charset="0"/>
               </a:rPr>
-              <a:t>Beispiel </a:t>
-            </a:r>
-            <a:r>
-              <a:rPr lang="de-CH" dirty="0" smtClean="0">
-                <a:sym typeface="Arial Black" panose="020B0A04020102020204" pitchFamily="34" charset="0"/>
-              </a:rPr>
-              <a:t> </a:t>
-            </a:r>
-            <a:r>
-              <a:rPr lang="de-CH" dirty="0" smtClean="0">
-                <a:sym typeface="Arial Black" panose="020B0A04020102020204" pitchFamily="34" charset="0"/>
-              </a:rPr>
-              <a:t>– Suche mit Windows 8.1</a:t>
+              <a:t>Beispiel  – Suche mit Windows 8.1</a:t>
             </a:r>
           </a:p>
         </p:txBody>
@@ -7708,14 +8104,14 @@
           </a:ln>
           <a:extLst>
             <a:ext uri="{909E8E84-426E-40dd-AFC4-6F175D3DCCD1}">
-              <a14:hiddenFill xmlns:a14="http://schemas.microsoft.com/office/drawing/2010/main" xmlns="">
+              <a14:hiddenFill xmlns="" xmlns:a14="http://schemas.microsoft.com/office/drawing/2010/main">
                 <a:solidFill>
                   <a:srgbClr val="FFFFFF"/>
                 </a:solidFill>
               </a14:hiddenFill>
             </a:ext>
             <a:ext uri="{91240B29-F687-4f45-9708-019B960494DF}">
-              <a14:hiddenLine xmlns:a14="http://schemas.microsoft.com/office/drawing/2010/main" xmlns="" w="9525">
+              <a14:hiddenLine xmlns="" xmlns:a14="http://schemas.microsoft.com/office/drawing/2010/main" w="9525">
                 <a:solidFill>
                   <a:schemeClr val="tx1"/>
                 </a:solidFill>
@@ -7748,17 +8144,8 @@
               <a:rPr lang="de-CH" dirty="0" smtClean="0">
                 <a:sym typeface="Arial Black" panose="020B0A04020102020204" pitchFamily="34" charset="0"/>
               </a:rPr>
-              <a:t>Beispiel 1 – Suche </a:t>
-            </a:r>
-            <a:r>
-              <a:rPr lang="de-CH" dirty="0" smtClean="0">
-                <a:sym typeface="Arial Black" panose="020B0A04020102020204" pitchFamily="34" charset="0"/>
-              </a:rPr>
-              <a:t>Luke</a:t>
-            </a:r>
-            <a:endParaRPr lang="de-CH" dirty="0" smtClean="0">
-              <a:sym typeface="Arial Black" panose="020B0A04020102020204" pitchFamily="34" charset="0"/>
-            </a:endParaRPr>
+              <a:t>Beispiel 1 – Suche Luke</a:t>
+            </a:r>
           </a:p>
         </p:txBody>
       </p:sp>
@@ -8491,14 +8878,14 @@
           </a:ln>
           <a:extLst>
             <a:ext uri="{909E8E84-426E-40dd-AFC4-6F175D3DCCD1}">
-              <a14:hiddenFill xmlns:a14="http://schemas.microsoft.com/office/drawing/2010/main" xmlns="">
+              <a14:hiddenFill xmlns="" xmlns:a14="http://schemas.microsoft.com/office/drawing/2010/main">
                 <a:solidFill>
                   <a:srgbClr val="FFFFFF"/>
                 </a:solidFill>
               </a14:hiddenFill>
             </a:ext>
             <a:ext uri="{91240B29-F687-4f45-9708-019B960494DF}">
-              <a14:hiddenLine xmlns:a14="http://schemas.microsoft.com/office/drawing/2010/main" xmlns="" w="9525">
+              <a14:hiddenLine xmlns="" xmlns:a14="http://schemas.microsoft.com/office/drawing/2010/main" w="9525">
                 <a:solidFill>
                   <a:schemeClr val="tx1"/>
                 </a:solidFill>
@@ -9835,19 +10222,13 @@
               <a:rPr lang="de-CH" dirty="0" smtClean="0"/>
               <a:t>Ziele</a:t>
             </a:r>
-            <a:endParaRPr lang="de-CH" dirty="0" smtClean="0"/>
           </a:p>
           <a:p>
             <a:pPr lvl="1"/>
             <a:r>
               <a:rPr lang="de-CH" dirty="0" smtClean="0"/>
-              <a:t>Direkter Vergleich zwischen Suchresultaten von Lucene mit </a:t>
-            </a:r>
-            <a:r>
-              <a:rPr lang="de-CH" dirty="0" smtClean="0"/>
-              <a:t>Betriebssystem (Windows)</a:t>
-            </a:r>
-            <a:endParaRPr lang="de-CH" dirty="0" smtClean="0"/>
+              <a:t>Direkter Vergleich zwischen Suchresultaten von Lucene mit Betriebssystem (Windows)</a:t>
+            </a:r>
           </a:p>
           <a:p>
             <a:pPr lvl="1"/>
@@ -10197,8 +10578,9 @@
             <a:pPr lvl="1"/>
             <a:r>
               <a:rPr lang="de-CH" dirty="0" smtClean="0"/>
-              <a:t>Definierung Suchkriterien</a:t>
-            </a:r>
+              <a:t>Definition von Feldern</a:t>
+            </a:r>
+            <a:endParaRPr lang="de-CH" dirty="0" smtClean="0"/>
           </a:p>
           <a:p>
             <a:pPr lvl="1"/>
@@ -10231,11 +10613,7 @@
             <a:pPr lvl="1"/>
             <a:r>
               <a:rPr lang="de-CH" dirty="0" smtClean="0"/>
-              <a:t>Korrekte PDF </a:t>
-            </a:r>
-            <a:r>
-              <a:rPr lang="de-CH" dirty="0" smtClean="0"/>
-              <a:t>Indexierung ein Muss</a:t>
+              <a:t>Korrekte PDF Indexierung ein Muss</a:t>
             </a:r>
           </a:p>
           <a:p>
@@ -10660,14 +11038,14 @@
           </a:ln>
           <a:extLst>
             <a:ext uri="{909E8E84-426E-40dd-AFC4-6F175D3DCCD1}">
-              <a14:hiddenFill xmlns:a14="http://schemas.microsoft.com/office/drawing/2010/main" xmlns="">
+              <a14:hiddenFill xmlns="" xmlns:a14="http://schemas.microsoft.com/office/drawing/2010/main">
                 <a:solidFill>
                   <a:srgbClr val="FFFFFF"/>
                 </a:solidFill>
               </a14:hiddenFill>
             </a:ext>
             <a:ext uri="{91240B29-F687-4f45-9708-019B960494DF}">
-              <a14:hiddenLine xmlns:a14="http://schemas.microsoft.com/office/drawing/2010/main" xmlns="" w="9525">
+              <a14:hiddenLine xmlns="" xmlns:a14="http://schemas.microsoft.com/office/drawing/2010/main" w="9525">
                 <a:solidFill>
                   <a:schemeClr val="tx1"/>
                 </a:solidFill>
@@ -11190,14 +11568,14 @@
           </a:ln>
           <a:extLst>
             <a:ext uri="{909E8E84-426E-40dd-AFC4-6F175D3DCCD1}">
-              <a14:hiddenFill xmlns:a14="http://schemas.microsoft.com/office/drawing/2010/main" xmlns="">
+              <a14:hiddenFill xmlns="" xmlns:a14="http://schemas.microsoft.com/office/drawing/2010/main">
                 <a:solidFill>
                   <a:srgbClr val="FFFFFF"/>
                 </a:solidFill>
               </a14:hiddenFill>
             </a:ext>
             <a:ext uri="{91240B29-F687-4f45-9708-019B960494DF}">
-              <a14:hiddenLine xmlns:a14="http://schemas.microsoft.com/office/drawing/2010/main" xmlns="" w="9525">
+              <a14:hiddenLine xmlns="" xmlns:a14="http://schemas.microsoft.com/office/drawing/2010/main" w="9525">
                 <a:solidFill>
                   <a:schemeClr val="tx1"/>
                 </a:solidFill>
@@ -11682,14 +12060,14 @@
           </a:ln>
           <a:extLst>
             <a:ext uri="{909E8E84-426E-40dd-AFC4-6F175D3DCCD1}">
-              <a14:hiddenFill xmlns:a14="http://schemas.microsoft.com/office/drawing/2010/main" xmlns="">
+              <a14:hiddenFill xmlns="" xmlns:a14="http://schemas.microsoft.com/office/drawing/2010/main">
                 <a:solidFill>
                   <a:srgbClr val="FFFFFF"/>
                 </a:solidFill>
               </a14:hiddenFill>
             </a:ext>
             <a:ext uri="{91240B29-F687-4f45-9708-019B960494DF}">
-              <a14:hiddenLine xmlns:a14="http://schemas.microsoft.com/office/drawing/2010/main" xmlns="" w="9525">
+              <a14:hiddenLine xmlns="" xmlns:a14="http://schemas.microsoft.com/office/drawing/2010/main" w="9525">
                 <a:solidFill>
                   <a:schemeClr val="tx1"/>
                 </a:solidFill>
@@ -12515,7 +12893,7 @@
         <a:effectLst/>
         <a:extLst>
           <a:ext uri="{AF507438-7753-43e0-B8FC-AC1667EBCBE1}">
-            <a14:hiddenEffects xmlns:a14="http://schemas.microsoft.com/office/drawing/2010/main" xmlns="">
+            <a14:hiddenEffects xmlns="" xmlns:a14="http://schemas.microsoft.com/office/drawing/2010/main">
               <a:effectLst>
                 <a:outerShdw dist="35921" dir="2700000" algn="ctr" rotWithShape="0">
                   <a:schemeClr val="bg2"/>
@@ -12591,7 +12969,7 @@
         <a:effectLst/>
         <a:extLst>
           <a:ext uri="{AF507438-7753-43e0-B8FC-AC1667EBCBE1}">
-            <a14:hiddenEffects xmlns:a14="http://schemas.microsoft.com/office/drawing/2010/main" xmlns="">
+            <a14:hiddenEffects xmlns="" xmlns:a14="http://schemas.microsoft.com/office/drawing/2010/main">
               <a:effectLst>
                 <a:outerShdw dist="35921" dir="2700000" algn="ctr" rotWithShape="0">
                   <a:schemeClr val="bg2"/>
